--- a/Presentation_slides.pptx
+++ b/Presentation_slides.pptx
@@ -5597,7 +5597,7 @@
           <a:p>
             <a:r>
               <a:rPr lang="en-AU" dirty="0"/>
-              <a:t>We plan to compare user experience with and without our assistant</a:t>
+              <a:t>We plan to compare user experience between our assistant using Retrieval-Augmented Generation (RAG) and a version without RAG.</a:t>
             </a:r>
           </a:p>
           <a:p>
